--- a/morea/materials/07-for.pptx
+++ b/morea/materials/07-for.pptx
@@ -5731,7 +5731,6 @@
               <a:rPr lang="en-US" dirty="0"/>
               <a:t>Repetition with Loops</a:t>
             </a:r>
-            <a:endParaRPr lang="en-US" dirty="0"/>
           </a:p>
         </p:txBody>
       </p:sp>
@@ -21167,7 +21166,7 @@
         <p:spPr bwMode="auto">
           <a:xfrm>
             <a:off x="1553832" y="2829064"/>
-            <a:ext cx="6343839" cy="2835446"/>
+            <a:ext cx="6751968" cy="2835446"/>
           </a:xfrm>
           <a:prstGeom prst="rect">
             <a:avLst/>
@@ -21308,14 +21307,13 @@
           <p:cNvCxnSpPr>
             <a:cxnSpLocks noChangeShapeType="1"/>
             <a:stCxn id="5" idx="2"/>
-            <a:endCxn id="4" idx="0"/>
           </p:cNvCxnSpPr>
           <p:nvPr/>
         </p:nvCxnSpPr>
         <p:spPr bwMode="auto">
           <a:xfrm flipH="1">
-            <a:off x="4725752" y="2335883"/>
-            <a:ext cx="1" cy="493181"/>
+            <a:off x="4724400" y="2335883"/>
+            <a:ext cx="1353" cy="559717"/>
           </a:xfrm>
           <a:prstGeom prst="straightConnector1">
             <a:avLst/>
@@ -21350,13 +21348,13 @@
         </p:nvCxnSpPr>
         <p:spPr bwMode="auto">
           <a:xfrm rot="5400000" flipH="1">
-            <a:off x="1943552" y="2882311"/>
-            <a:ext cx="3686829" cy="1877571"/>
+            <a:off x="2045584" y="2780279"/>
+            <a:ext cx="3686829" cy="2081635"/>
           </a:xfrm>
           <a:prstGeom prst="bentConnector4">
             <a:avLst>
-              <a:gd name="adj1" fmla="val -13724"/>
-              <a:gd name="adj2" fmla="val 191998"/>
+              <a:gd name="adj1" fmla="val -6200"/>
+              <a:gd name="adj2" fmla="val 173161"/>
             </a:avLst>
           </a:prstGeom>
           <a:noFill/>
